--- a/angularjs/slides/02_Modules.pptx
+++ b/angularjs/slides/02_Modules.pptx
@@ -5,30 +5,31 @@
     <p:sldMasterId id="2147483772" r:id="rId1"/>
   </p:sldMasterIdLst>
   <p:notesMasterIdLst>
-    <p:notesMasterId r:id="rId20"/>
+    <p:notesMasterId r:id="rId21"/>
   </p:notesMasterIdLst>
   <p:handoutMasterIdLst>
-    <p:handoutMasterId r:id="rId21"/>
+    <p:handoutMasterId r:id="rId22"/>
   </p:handoutMasterIdLst>
   <p:sldIdLst>
     <p:sldId id="327" r:id="rId2"/>
-    <p:sldId id="346" r:id="rId3"/>
-    <p:sldId id="347" r:id="rId4"/>
-    <p:sldId id="348" r:id="rId5"/>
-    <p:sldId id="351" r:id="rId6"/>
+    <p:sldId id="363" r:id="rId3"/>
+    <p:sldId id="346" r:id="rId4"/>
+    <p:sldId id="347" r:id="rId5"/>
+    <p:sldId id="348" r:id="rId6"/>
     <p:sldId id="354" r:id="rId7"/>
-    <p:sldId id="360" r:id="rId8"/>
-    <p:sldId id="361" r:id="rId9"/>
-    <p:sldId id="362" r:id="rId10"/>
+    <p:sldId id="364" r:id="rId8"/>
+    <p:sldId id="360" r:id="rId9"/>
+    <p:sldId id="361" r:id="rId10"/>
     <p:sldId id="349" r:id="rId11"/>
-    <p:sldId id="353" r:id="rId12"/>
-    <p:sldId id="350" r:id="rId13"/>
-    <p:sldId id="356" r:id="rId14"/>
+    <p:sldId id="365" r:id="rId12"/>
+    <p:sldId id="366" r:id="rId13"/>
+    <p:sldId id="353" r:id="rId14"/>
     <p:sldId id="357" r:id="rId15"/>
-    <p:sldId id="355" r:id="rId16"/>
-    <p:sldId id="358" r:id="rId17"/>
-    <p:sldId id="359" r:id="rId18"/>
-    <p:sldId id="345" r:id="rId19"/>
+    <p:sldId id="356" r:id="rId16"/>
+    <p:sldId id="355" r:id="rId17"/>
+    <p:sldId id="358" r:id="rId18"/>
+    <p:sldId id="359" r:id="rId19"/>
+    <p:sldId id="345" r:id="rId20"/>
   </p:sldIdLst>
   <p:sldSz cx="9144000" cy="6858000" type="screen4x3"/>
   <p:notesSz cx="7302500" cy="9588500"/>
@@ -281,7 +282,7 @@
               <a:pPr>
                 <a:defRPr/>
               </a:pPr>
-              <a:t>11/24/2013</a:t>
+              <a:t>11/25/2013</a:t>
             </a:fld>
             <a:endParaRPr lang="en-US"/>
           </a:p>
@@ -2565,7 +2566,11 @@
           <a:p>
             <a:r>
               <a:rPr lang="en-US" dirty="0" smtClean="0"/>
-              <a:t>DI and the $injector</a:t>
+              <a:t>$</a:t>
+            </a:r>
+            <a:r>
+              <a:rPr lang="en-US" dirty="0" smtClean="0"/>
+              <a:t>injector</a:t>
             </a:r>
             <a:endParaRPr lang="en-US" dirty="0"/>
           </a:p>
@@ -2586,10 +2591,47 @@
           <a:bodyPr/>
           <a:lstStyle/>
           <a:p>
-            <a:endParaRPr lang="en-US"/>
-          </a:p>
-        </p:txBody>
-      </p:sp>
+            <a:r>
+              <a:rPr lang="en-US" dirty="0" smtClean="0"/>
+              <a:t>Creates objects, loads modules, injects dependencies</a:t>
+            </a:r>
+          </a:p>
+        </p:txBody>
+      </p:sp>
+      <p:pic>
+        <p:nvPicPr>
+          <p:cNvPr id="4" name="Picture 3"/>
+          <p:cNvPicPr>
+            <a:picLocks noChangeAspect="1"/>
+          </p:cNvPicPr>
+          <p:nvPr/>
+        </p:nvPicPr>
+        <p:blipFill>
+          <a:blip r:embed="rId2"/>
+          <a:stretch>
+            <a:fillRect/>
+          </a:stretch>
+        </p:blipFill>
+        <p:spPr>
+          <a:xfrm>
+            <a:off x="1371600" y="2895600"/>
+            <a:ext cx="6038850" cy="1171575"/>
+          </a:xfrm>
+          <a:prstGeom prst="rect">
+            <a:avLst/>
+          </a:prstGeom>
+          <a:ln>
+            <a:noFill/>
+          </a:ln>
+          <a:effectLst>
+            <a:outerShdw blurRad="292100" dist="139700" dir="2700000" algn="tl" rotWithShape="0">
+              <a:srgbClr val="333333">
+                <a:alpha val="65000"/>
+              </a:srgbClr>
+            </a:outerShdw>
+          </a:effectLst>
+        </p:spPr>
+      </p:pic>
     </p:spTree>
     <p:extLst>
       <p:ext uri="{BB962C8B-B14F-4D97-AF65-F5344CB8AC3E}">
@@ -2640,7 +2682,7 @@
           <a:p>
             <a:r>
               <a:rPr lang="en-US" dirty="0" smtClean="0"/>
-              <a:t>Bootstrapping</a:t>
+              <a:t>Annotations</a:t>
             </a:r>
             <a:endParaRPr lang="en-US" dirty="0"/>
           </a:p>
@@ -2661,14 +2703,86 @@
           <a:bodyPr/>
           <a:lstStyle/>
           <a:p>
-            <a:endParaRPr lang="en-US"/>
-          </a:p>
-        </p:txBody>
-      </p:sp>
+            <a:r>
+              <a:rPr lang="en-US" dirty="0"/>
+              <a:t>Injector depends on annotations</a:t>
+            </a:r>
+          </a:p>
+          <a:p>
+            <a:pPr lvl="1"/>
+            <a:r>
+              <a:rPr lang="en-US" dirty="0"/>
+              <a:t>Components have well known names</a:t>
+            </a:r>
+          </a:p>
+          <a:p>
+            <a:r>
+              <a:rPr lang="en-US" dirty="0"/>
+              <a:t>Three sources for annotations</a:t>
+            </a:r>
+          </a:p>
+          <a:p>
+            <a:pPr lvl="1"/>
+            <a:r>
+              <a:rPr lang="en-US" dirty="0" smtClean="0"/>
+              <a:t>Function parameter names (implicit)</a:t>
+            </a:r>
+          </a:p>
+          <a:p>
+            <a:pPr lvl="1"/>
+            <a:r>
+              <a:rPr lang="en-US" dirty="0" smtClean="0"/>
+              <a:t>$inject property (explicit)</a:t>
+            </a:r>
+          </a:p>
+          <a:p>
+            <a:pPr lvl="1"/>
+            <a:r>
+              <a:rPr lang="en-US" dirty="0" smtClean="0"/>
+              <a:t>Passed at point of registration (explicit)</a:t>
+            </a:r>
+            <a:endParaRPr lang="en-US" dirty="0"/>
+          </a:p>
+        </p:txBody>
+      </p:sp>
+      <p:pic>
+        <p:nvPicPr>
+          <p:cNvPr id="4" name="Picture 3"/>
+          <p:cNvPicPr>
+            <a:picLocks noChangeAspect="1"/>
+          </p:cNvPicPr>
+          <p:nvPr/>
+        </p:nvPicPr>
+        <p:blipFill>
+          <a:blip r:embed="rId2"/>
+          <a:stretch>
+            <a:fillRect/>
+          </a:stretch>
+        </p:blipFill>
+        <p:spPr>
+          <a:xfrm>
+            <a:off x="804797" y="4267200"/>
+            <a:ext cx="7348603" cy="838200"/>
+          </a:xfrm>
+          <a:prstGeom prst="rect">
+            <a:avLst/>
+          </a:prstGeom>
+          <a:ln>
+            <a:noFill/>
+          </a:ln>
+          <a:effectLst>
+            <a:outerShdw blurRad="292100" dist="139700" dir="2700000" algn="tl" rotWithShape="0">
+              <a:srgbClr val="333333">
+                <a:alpha val="65000"/>
+              </a:srgbClr>
+            </a:outerShdw>
+          </a:effectLst>
+        </p:spPr>
+      </p:pic>
     </p:spTree>
     <p:extLst>
       <p:ext uri="{BB962C8B-B14F-4D97-AF65-F5344CB8AC3E}">
-        <p14:creationId xmlns:p14="http://schemas.microsoft.com/office/powerpoint/2010/main" val="442182761"/>
+        <p14:creationId xmlns:p14="http://schemas.microsoft.com/office/powerpoint/2010/main" val="1167045062"/>
       </p:ext>
     </p:extLst>
   </p:cSld>
@@ -2714,10 +2828,6 @@
           <a:lstStyle/>
           <a:p>
             <a:r>
-              <a:rPr lang="en-US" dirty="0" smtClean="0"/>
-              <a:t>DI and </a:t>
-            </a:r>
-            <a:r>
               <a:rPr lang="en-US" dirty="0" err="1" smtClean="0"/>
               <a:t>Minification</a:t>
             </a:r>
@@ -2740,14 +2850,63 @@
           <a:bodyPr/>
           <a:lstStyle/>
           <a:p>
-            <a:endParaRPr lang="en-US"/>
-          </a:p>
-        </p:txBody>
-      </p:sp>
+            <a:r>
+              <a:rPr lang="en-US" dirty="0" smtClean="0"/>
+              <a:t>Must use explicit annotations when minifying</a:t>
+            </a:r>
+          </a:p>
+          <a:p>
+            <a:pPr lvl="1"/>
+            <a:r>
+              <a:rPr lang="en-US" dirty="0" smtClean="0"/>
+              <a:t>Or use an Angular aware </a:t>
+            </a:r>
+            <a:r>
+              <a:rPr lang="en-US" dirty="0" err="1" smtClean="0"/>
+              <a:t>minifier</a:t>
+            </a:r>
+            <a:endParaRPr lang="en-US" dirty="0"/>
+          </a:p>
+        </p:txBody>
+      </p:sp>
+      <p:pic>
+        <p:nvPicPr>
+          <p:cNvPr id="5" name="Picture 4"/>
+          <p:cNvPicPr>
+            <a:picLocks noChangeAspect="1"/>
+          </p:cNvPicPr>
+          <p:nvPr/>
+        </p:nvPicPr>
+        <p:blipFill>
+          <a:blip r:embed="rId2"/>
+          <a:stretch>
+            <a:fillRect/>
+          </a:stretch>
+        </p:blipFill>
+        <p:spPr>
+          <a:xfrm>
+            <a:off x="897698" y="3276600"/>
+            <a:ext cx="7348603" cy="838200"/>
+          </a:xfrm>
+          <a:prstGeom prst="rect">
+            <a:avLst/>
+          </a:prstGeom>
+          <a:ln>
+            <a:noFill/>
+          </a:ln>
+          <a:effectLst>
+            <a:outerShdw blurRad="292100" dist="139700" dir="2700000" algn="tl" rotWithShape="0">
+              <a:srgbClr val="333333">
+                <a:alpha val="65000"/>
+              </a:srgbClr>
+            </a:outerShdw>
+          </a:effectLst>
+        </p:spPr>
+      </p:pic>
     </p:spTree>
     <p:extLst>
       <p:ext uri="{BB962C8B-B14F-4D97-AF65-F5344CB8AC3E}">
-        <p14:creationId xmlns:p14="http://schemas.microsoft.com/office/powerpoint/2010/main" val="2264924477"/>
+        <p14:creationId xmlns:p14="http://schemas.microsoft.com/office/powerpoint/2010/main" val="3116974347"/>
       </p:ext>
     </p:extLst>
   </p:cSld>
@@ -2794,7 +2953,7 @@
           <a:p>
             <a:r>
               <a:rPr lang="en-US" dirty="0" smtClean="0"/>
-              <a:t>Module Run</a:t>
+              <a:t>Bootstrapping</a:t>
             </a:r>
             <a:endParaRPr lang="en-US" dirty="0"/>
           </a:p>
@@ -2815,14 +2974,82 @@
           <a:bodyPr/>
           <a:lstStyle/>
           <a:p>
-            <a:endParaRPr lang="en-US"/>
-          </a:p>
-        </p:txBody>
-      </p:sp>
+            <a:r>
+              <a:rPr lang="en-US" dirty="0" smtClean="0"/>
+              <a:t>Implicit bootstrapping uses </a:t>
+            </a:r>
+            <a:r>
+              <a:rPr lang="en-US" dirty="0" err="1" smtClean="0"/>
+              <a:t>ng</a:t>
+            </a:r>
+            <a:r>
+              <a:rPr lang="en-US" dirty="0" smtClean="0"/>
+              <a:t>-app directive</a:t>
+            </a:r>
+          </a:p>
+          <a:p>
+            <a:r>
+              <a:rPr lang="en-US" dirty="0" smtClean="0"/>
+              <a:t>Explicit bootstrapping uses code</a:t>
+            </a:r>
+            <a:endParaRPr lang="en-US" dirty="0" smtClean="0"/>
+          </a:p>
+          <a:p>
+            <a:pPr lvl="1"/>
+            <a:endParaRPr lang="en-US" dirty="0"/>
+          </a:p>
+        </p:txBody>
+      </p:sp>
+      <p:pic>
+        <p:nvPicPr>
+          <p:cNvPr id="4" name="Picture 3"/>
+          <p:cNvPicPr>
+            <a:picLocks noChangeAspect="1"/>
+          </p:cNvPicPr>
+          <p:nvPr/>
+        </p:nvPicPr>
+        <p:blipFill>
+          <a:blip r:embed="rId2">
+            <a:extLst>
+              <a:ext uri="{BEBA8EAE-BF5A-486C-A8C5-ECC9F3942E4B}">
+                <a14:imgProps xmlns:a14="http://schemas.microsoft.com/office/drawing/2010/main">
+                  <a14:imgLayer r:embed="rId3">
+                    <a14:imgEffect>
+                      <a14:colorTemperature colorTemp="11200"/>
+                    </a14:imgEffect>
+                  </a14:imgLayer>
+                </a14:imgProps>
+              </a:ext>
+            </a:extLst>
+          </a:blip>
+          <a:stretch>
+            <a:fillRect/>
+          </a:stretch>
+        </p:blipFill>
+        <p:spPr>
+          <a:xfrm>
+            <a:off x="1143000" y="3093243"/>
+            <a:ext cx="6203512" cy="1204913"/>
+          </a:xfrm>
+          <a:prstGeom prst="rect">
+            <a:avLst/>
+          </a:prstGeom>
+          <a:ln>
+            <a:noFill/>
+          </a:ln>
+          <a:effectLst>
+            <a:outerShdw blurRad="292100" dist="139700" dir="2700000" algn="tl" rotWithShape="0">
+              <a:srgbClr val="333333">
+                <a:alpha val="65000"/>
+              </a:srgbClr>
+            </a:outerShdw>
+          </a:effectLst>
+        </p:spPr>
+      </p:pic>
     </p:spTree>
     <p:extLst>
       <p:ext uri="{BB962C8B-B14F-4D97-AF65-F5344CB8AC3E}">
-        <p14:creationId xmlns:p14="http://schemas.microsoft.com/office/powerpoint/2010/main" val="1570650157"/>
+        <p14:creationId xmlns:p14="http://schemas.microsoft.com/office/powerpoint/2010/main" val="442182761"/>
       </p:ext>
     </p:extLst>
   </p:cSld>
@@ -2894,10 +3121,319 @@
           <a:bodyPr/>
           <a:lstStyle/>
           <a:p>
-            <a:endParaRPr lang="en-US"/>
-          </a:p>
-        </p:txBody>
-      </p:sp>
+            <a:r>
+              <a:rPr lang="en-US" dirty="0" smtClean="0"/>
+              <a:t>Execute configuration code</a:t>
+            </a:r>
+          </a:p>
+          <a:p>
+            <a:r>
+              <a:rPr lang="en-US" dirty="0" smtClean="0"/>
+              <a:t>Providers only </a:t>
+            </a:r>
+          </a:p>
+          <a:p>
+            <a:pPr lvl="1"/>
+            <a:r>
+              <a:rPr lang="en-US" dirty="0" smtClean="0"/>
+              <a:t>**</a:t>
+            </a:r>
+            <a:r>
+              <a:rPr lang="en-US" dirty="0" smtClean="0"/>
+              <a:t>no services injected**</a:t>
+            </a:r>
+            <a:endParaRPr lang="en-US" dirty="0"/>
+          </a:p>
+        </p:txBody>
+      </p:sp>
+      <p:sp>
+        <p:nvSpPr>
+          <p:cNvPr id="4" name="Rectangle 3"/>
+          <p:cNvSpPr/>
+          <p:nvPr/>
+        </p:nvSpPr>
+        <p:spPr bwMode="auto">
+          <a:xfrm>
+            <a:off x="494675" y="4835733"/>
+            <a:ext cx="2133600" cy="1143000"/>
+          </a:xfrm>
+          <a:prstGeom prst="rect">
+            <a:avLst/>
+          </a:prstGeom>
+          <a:gradFill rotWithShape="1">
+            <a:gsLst>
+              <a:gs pos="0">
+                <a:srgbClr val="A4D289"/>
+              </a:gs>
+              <a:gs pos="100000">
+                <a:schemeClr val="bg1"/>
+              </a:gs>
+            </a:gsLst>
+            <a:lin ang="5400000" scaled="1"/>
+          </a:gradFill>
+          <a:ln w="9525" algn="ctr">
+            <a:solidFill>
+              <a:schemeClr val="tx1"/>
+            </a:solidFill>
+            <a:miter lim="800000"/>
+            <a:headEnd/>
+            <a:tailEnd/>
+          </a:ln>
+          <a:effectLst>
+            <a:outerShdw blurRad="50800" dist="38100" dir="2700000" algn="tl" rotWithShape="0">
+              <a:prstClr val="black">
+                <a:alpha val="40000"/>
+              </a:prstClr>
+            </a:outerShdw>
+          </a:effectLst>
+        </p:spPr>
+        <p:txBody>
+          <a:bodyPr wrap="none" rtlCol="0" anchor="ctr"/>
+          <a:lstStyle/>
+          <a:p>
+            <a:pPr algn="ctr"/>
+            <a:r>
+              <a:rPr lang="en-US" sz="2000" dirty="0" smtClean="0">
+                <a:latin typeface="Tekton Pro" pitchFamily="34" charset="0"/>
+              </a:rPr>
+              <a:t>Bootstrap</a:t>
+            </a:r>
+            <a:endParaRPr lang="en-US" sz="2000" dirty="0">
+              <a:latin typeface="Tekton Pro" pitchFamily="34" charset="0"/>
+            </a:endParaRPr>
+          </a:p>
+        </p:txBody>
+      </p:sp>
+      <p:sp>
+        <p:nvSpPr>
+          <p:cNvPr id="5" name="Rectangle 4"/>
+          <p:cNvSpPr/>
+          <p:nvPr/>
+        </p:nvSpPr>
+        <p:spPr bwMode="auto">
+          <a:xfrm>
+            <a:off x="3276600" y="4868524"/>
+            <a:ext cx="2133600" cy="1143000"/>
+          </a:xfrm>
+          <a:prstGeom prst="rect">
+            <a:avLst/>
+          </a:prstGeom>
+          <a:gradFill rotWithShape="1">
+            <a:gsLst>
+              <a:gs pos="0">
+                <a:srgbClr val="A4D289"/>
+              </a:gs>
+              <a:gs pos="100000">
+                <a:schemeClr val="bg1"/>
+              </a:gs>
+            </a:gsLst>
+            <a:lin ang="5400000" scaled="1"/>
+          </a:gradFill>
+          <a:ln w="9525" algn="ctr">
+            <a:solidFill>
+              <a:schemeClr val="tx1"/>
+            </a:solidFill>
+            <a:miter lim="800000"/>
+            <a:headEnd/>
+            <a:tailEnd/>
+          </a:ln>
+          <a:effectLst>
+            <a:outerShdw blurRad="50800" dist="38100" dir="2700000" algn="tl" rotWithShape="0">
+              <a:prstClr val="black">
+                <a:alpha val="40000"/>
+              </a:prstClr>
+            </a:outerShdw>
+          </a:effectLst>
+        </p:spPr>
+        <p:txBody>
+          <a:bodyPr wrap="none" rtlCol="0" anchor="ctr"/>
+          <a:lstStyle/>
+          <a:p>
+            <a:pPr algn="ctr"/>
+            <a:r>
+              <a:rPr lang="en-US" sz="2000" dirty="0" smtClean="0">
+                <a:latin typeface="Tekton Pro" pitchFamily="34" charset="0"/>
+              </a:rPr>
+              <a:t>Configure</a:t>
+            </a:r>
+            <a:endParaRPr lang="en-US" sz="2000" dirty="0">
+              <a:latin typeface="Tekton Pro" pitchFamily="34" charset="0"/>
+            </a:endParaRPr>
+          </a:p>
+        </p:txBody>
+      </p:sp>
+      <p:cxnSp>
+        <p:nvCxnSpPr>
+          <p:cNvPr id="7" name="Straight Arrow Connector 6"/>
+          <p:cNvCxnSpPr>
+            <a:stCxn id="4" idx="3"/>
+            <a:endCxn id="5" idx="1"/>
+          </p:cNvCxnSpPr>
+          <p:nvPr/>
+        </p:nvCxnSpPr>
+        <p:spPr bwMode="auto">
+          <a:xfrm>
+            <a:off x="2628275" y="5407233"/>
+            <a:ext cx="648325" cy="32791"/>
+          </a:xfrm>
+          <a:prstGeom prst="straightConnector1">
+            <a:avLst/>
+          </a:prstGeom>
+          <a:gradFill rotWithShape="1">
+            <a:gsLst>
+              <a:gs pos="0">
+                <a:srgbClr val="A4D289"/>
+              </a:gs>
+              <a:gs pos="100000">
+                <a:schemeClr val="bg1"/>
+              </a:gs>
+            </a:gsLst>
+            <a:lin ang="5400000" scaled="1"/>
+          </a:gradFill>
+          <a:ln w="9525" cap="flat" cmpd="sng" algn="ctr">
+            <a:solidFill>
+              <a:schemeClr val="tx1"/>
+            </a:solidFill>
+            <a:prstDash val="solid"/>
+            <a:round/>
+            <a:headEnd type="none" w="med" len="med"/>
+            <a:tailEnd type="triangle"/>
+          </a:ln>
+          <a:effectLst/>
+        </p:spPr>
+      </p:cxnSp>
+      <p:sp>
+        <p:nvSpPr>
+          <p:cNvPr id="8" name="Rectangle 7"/>
+          <p:cNvSpPr/>
+          <p:nvPr/>
+        </p:nvSpPr>
+        <p:spPr bwMode="auto">
+          <a:xfrm>
+            <a:off x="5981700" y="4839246"/>
+            <a:ext cx="2133600" cy="1143000"/>
+          </a:xfrm>
+          <a:prstGeom prst="rect">
+            <a:avLst/>
+          </a:prstGeom>
+          <a:gradFill rotWithShape="1">
+            <a:gsLst>
+              <a:gs pos="0">
+                <a:srgbClr val="A4D289"/>
+              </a:gs>
+              <a:gs pos="100000">
+                <a:schemeClr val="bg1"/>
+              </a:gs>
+            </a:gsLst>
+            <a:lin ang="5400000" scaled="1"/>
+          </a:gradFill>
+          <a:ln w="9525" algn="ctr">
+            <a:solidFill>
+              <a:schemeClr val="tx1"/>
+            </a:solidFill>
+            <a:miter lim="800000"/>
+            <a:headEnd/>
+            <a:tailEnd/>
+          </a:ln>
+          <a:effectLst>
+            <a:outerShdw blurRad="50800" dist="38100" dir="2700000" algn="tl" rotWithShape="0">
+              <a:prstClr val="black">
+                <a:alpha val="40000"/>
+              </a:prstClr>
+            </a:outerShdw>
+          </a:effectLst>
+        </p:spPr>
+        <p:txBody>
+          <a:bodyPr wrap="none" rtlCol="0" anchor="ctr"/>
+          <a:lstStyle/>
+          <a:p>
+            <a:pPr algn="ctr"/>
+            <a:r>
+              <a:rPr lang="en-US" sz="2000" dirty="0" smtClean="0">
+                <a:latin typeface="Tekton Pro" pitchFamily="34" charset="0"/>
+              </a:rPr>
+              <a:t>Run</a:t>
+            </a:r>
+            <a:endParaRPr lang="en-US" sz="2000" dirty="0">
+              <a:latin typeface="Tekton Pro" pitchFamily="34" charset="0"/>
+            </a:endParaRPr>
+          </a:p>
+        </p:txBody>
+      </p:sp>
+      <p:cxnSp>
+        <p:nvCxnSpPr>
+          <p:cNvPr id="9" name="Straight Arrow Connector 8"/>
+          <p:cNvCxnSpPr>
+            <a:stCxn id="5" idx="3"/>
+            <a:endCxn id="8" idx="1"/>
+          </p:cNvCxnSpPr>
+          <p:nvPr/>
+        </p:nvCxnSpPr>
+        <p:spPr bwMode="auto">
+          <a:xfrm flipV="1">
+            <a:off x="5410200" y="5410746"/>
+            <a:ext cx="571500" cy="29278"/>
+          </a:xfrm>
+          <a:prstGeom prst="straightConnector1">
+            <a:avLst/>
+          </a:prstGeom>
+          <a:gradFill rotWithShape="1">
+            <a:gsLst>
+              <a:gs pos="0">
+                <a:srgbClr val="A4D289"/>
+              </a:gs>
+              <a:gs pos="100000">
+                <a:schemeClr val="bg1"/>
+              </a:gs>
+            </a:gsLst>
+            <a:lin ang="5400000" scaled="1"/>
+          </a:gradFill>
+          <a:ln w="9525" cap="flat" cmpd="sng" algn="ctr">
+            <a:solidFill>
+              <a:schemeClr val="tx1"/>
+            </a:solidFill>
+            <a:prstDash val="solid"/>
+            <a:round/>
+            <a:headEnd type="none" w="med" len="med"/>
+            <a:tailEnd type="triangle"/>
+          </a:ln>
+          <a:effectLst/>
+        </p:spPr>
+      </p:cxnSp>
+      <p:pic>
+        <p:nvPicPr>
+          <p:cNvPr id="10" name="Picture 9"/>
+          <p:cNvPicPr>
+            <a:picLocks noChangeAspect="1"/>
+          </p:cNvPicPr>
+          <p:nvPr/>
+        </p:nvPicPr>
+        <p:blipFill>
+          <a:blip r:embed="rId2"/>
+          <a:stretch>
+            <a:fillRect/>
+          </a:stretch>
+        </p:blipFill>
+        <p:spPr>
+          <a:xfrm>
+            <a:off x="472190" y="3015834"/>
+            <a:ext cx="6934200" cy="800100"/>
+          </a:xfrm>
+          <a:prstGeom prst="rect">
+            <a:avLst/>
+          </a:prstGeom>
+          <a:ln>
+            <a:noFill/>
+          </a:ln>
+          <a:effectLst>
+            <a:outerShdw blurRad="292100" dist="139700" dir="2700000" algn="tl" rotWithShape="0">
+              <a:srgbClr val="333333">
+                <a:alpha val="65000"/>
+              </a:srgbClr>
+            </a:outerShdw>
+          </a:effectLst>
+        </p:spPr>
+      </p:pic>
     </p:spTree>
     <p:extLst>
       <p:ext uri="{BB962C8B-B14F-4D97-AF65-F5344CB8AC3E}">
@@ -2948,7 +3484,7 @@
           <a:p>
             <a:r>
               <a:rPr lang="en-US" dirty="0" smtClean="0"/>
-              <a:t>Code Organization</a:t>
+              <a:t>Module Run</a:t>
             </a:r>
             <a:endParaRPr lang="en-US" dirty="0"/>
           </a:p>
@@ -2969,14 +3505,323 @@
           <a:bodyPr/>
           <a:lstStyle/>
           <a:p>
-            <a:endParaRPr lang="en-US"/>
-          </a:p>
-        </p:txBody>
-      </p:sp>
+            <a:r>
+              <a:rPr lang="en-US" dirty="0" smtClean="0"/>
+              <a:t>Execute code to initialize module / application</a:t>
+            </a:r>
+          </a:p>
+          <a:p>
+            <a:r>
+              <a:rPr lang="en-US" dirty="0" smtClean="0"/>
+              <a:t>Services only</a:t>
+            </a:r>
+          </a:p>
+          <a:p>
+            <a:pPr lvl="1"/>
+            <a:r>
+              <a:rPr lang="en-US" dirty="0"/>
+              <a:t>	</a:t>
+            </a:r>
+            <a:r>
+              <a:rPr lang="en-US" dirty="0" smtClean="0"/>
+              <a:t>No providers</a:t>
+            </a:r>
+            <a:endParaRPr lang="en-US" dirty="0"/>
+          </a:p>
+        </p:txBody>
+      </p:sp>
+      <p:sp>
+        <p:nvSpPr>
+          <p:cNvPr id="4" name="Rectangle 3"/>
+          <p:cNvSpPr/>
+          <p:nvPr/>
+        </p:nvSpPr>
+        <p:spPr bwMode="auto">
+          <a:xfrm>
+            <a:off x="494675" y="4835733"/>
+            <a:ext cx="2133600" cy="1143000"/>
+          </a:xfrm>
+          <a:prstGeom prst="rect">
+            <a:avLst/>
+          </a:prstGeom>
+          <a:gradFill rotWithShape="1">
+            <a:gsLst>
+              <a:gs pos="0">
+                <a:srgbClr val="A4D289"/>
+              </a:gs>
+              <a:gs pos="100000">
+                <a:schemeClr val="bg1"/>
+              </a:gs>
+            </a:gsLst>
+            <a:lin ang="5400000" scaled="1"/>
+          </a:gradFill>
+          <a:ln w="9525" algn="ctr">
+            <a:solidFill>
+              <a:schemeClr val="tx1"/>
+            </a:solidFill>
+            <a:miter lim="800000"/>
+            <a:headEnd/>
+            <a:tailEnd/>
+          </a:ln>
+          <a:effectLst>
+            <a:outerShdw blurRad="50800" dist="38100" dir="2700000" algn="tl" rotWithShape="0">
+              <a:prstClr val="black">
+                <a:alpha val="40000"/>
+              </a:prstClr>
+            </a:outerShdw>
+          </a:effectLst>
+        </p:spPr>
+        <p:txBody>
+          <a:bodyPr wrap="none" rtlCol="0" anchor="ctr"/>
+          <a:lstStyle/>
+          <a:p>
+            <a:pPr algn="ctr"/>
+            <a:r>
+              <a:rPr lang="en-US" sz="2000" dirty="0" smtClean="0">
+                <a:latin typeface="Tekton Pro" pitchFamily="34" charset="0"/>
+              </a:rPr>
+              <a:t>Bootstrap</a:t>
+            </a:r>
+            <a:endParaRPr lang="en-US" sz="2000" dirty="0">
+              <a:latin typeface="Tekton Pro" pitchFamily="34" charset="0"/>
+            </a:endParaRPr>
+          </a:p>
+        </p:txBody>
+      </p:sp>
+      <p:sp>
+        <p:nvSpPr>
+          <p:cNvPr id="5" name="Rectangle 4"/>
+          <p:cNvSpPr/>
+          <p:nvPr/>
+        </p:nvSpPr>
+        <p:spPr bwMode="auto">
+          <a:xfrm>
+            <a:off x="3276600" y="4868524"/>
+            <a:ext cx="2133600" cy="1143000"/>
+          </a:xfrm>
+          <a:prstGeom prst="rect">
+            <a:avLst/>
+          </a:prstGeom>
+          <a:gradFill rotWithShape="1">
+            <a:gsLst>
+              <a:gs pos="0">
+                <a:srgbClr val="A4D289"/>
+              </a:gs>
+              <a:gs pos="100000">
+                <a:schemeClr val="bg1"/>
+              </a:gs>
+            </a:gsLst>
+            <a:lin ang="5400000" scaled="1"/>
+          </a:gradFill>
+          <a:ln w="9525" algn="ctr">
+            <a:solidFill>
+              <a:schemeClr val="tx1"/>
+            </a:solidFill>
+            <a:miter lim="800000"/>
+            <a:headEnd/>
+            <a:tailEnd/>
+          </a:ln>
+          <a:effectLst>
+            <a:outerShdw blurRad="50800" dist="38100" dir="2700000" algn="tl" rotWithShape="0">
+              <a:prstClr val="black">
+                <a:alpha val="40000"/>
+              </a:prstClr>
+            </a:outerShdw>
+          </a:effectLst>
+        </p:spPr>
+        <p:txBody>
+          <a:bodyPr wrap="none" rtlCol="0" anchor="ctr"/>
+          <a:lstStyle/>
+          <a:p>
+            <a:pPr algn="ctr"/>
+            <a:r>
+              <a:rPr lang="en-US" sz="2000" dirty="0" smtClean="0">
+                <a:latin typeface="Tekton Pro" pitchFamily="34" charset="0"/>
+              </a:rPr>
+              <a:t>Configure</a:t>
+            </a:r>
+            <a:endParaRPr lang="en-US" sz="2000" dirty="0">
+              <a:latin typeface="Tekton Pro" pitchFamily="34" charset="0"/>
+            </a:endParaRPr>
+          </a:p>
+        </p:txBody>
+      </p:sp>
+      <p:cxnSp>
+        <p:nvCxnSpPr>
+          <p:cNvPr id="6" name="Straight Arrow Connector 5"/>
+          <p:cNvCxnSpPr>
+            <a:stCxn id="4" idx="3"/>
+            <a:endCxn id="5" idx="1"/>
+          </p:cNvCxnSpPr>
+          <p:nvPr/>
+        </p:nvCxnSpPr>
+        <p:spPr bwMode="auto">
+          <a:xfrm>
+            <a:off x="2628275" y="5407233"/>
+            <a:ext cx="648325" cy="32791"/>
+          </a:xfrm>
+          <a:prstGeom prst="straightConnector1">
+            <a:avLst/>
+          </a:prstGeom>
+          <a:gradFill rotWithShape="1">
+            <a:gsLst>
+              <a:gs pos="0">
+                <a:srgbClr val="A4D289"/>
+              </a:gs>
+              <a:gs pos="100000">
+                <a:schemeClr val="bg1"/>
+              </a:gs>
+            </a:gsLst>
+            <a:lin ang="5400000" scaled="1"/>
+          </a:gradFill>
+          <a:ln w="9525" cap="flat" cmpd="sng" algn="ctr">
+            <a:solidFill>
+              <a:schemeClr val="tx1"/>
+            </a:solidFill>
+            <a:prstDash val="solid"/>
+            <a:round/>
+            <a:headEnd type="none" w="med" len="med"/>
+            <a:tailEnd type="triangle"/>
+          </a:ln>
+          <a:effectLst/>
+        </p:spPr>
+      </p:cxnSp>
+      <p:sp>
+        <p:nvSpPr>
+          <p:cNvPr id="7" name="Rectangle 6"/>
+          <p:cNvSpPr/>
+          <p:nvPr/>
+        </p:nvSpPr>
+        <p:spPr bwMode="auto">
+          <a:xfrm>
+            <a:off x="5981700" y="4839246"/>
+            <a:ext cx="2133600" cy="1143000"/>
+          </a:xfrm>
+          <a:prstGeom prst="rect">
+            <a:avLst/>
+          </a:prstGeom>
+          <a:gradFill rotWithShape="1">
+            <a:gsLst>
+              <a:gs pos="0">
+                <a:srgbClr val="A4D289"/>
+              </a:gs>
+              <a:gs pos="100000">
+                <a:schemeClr val="bg1"/>
+              </a:gs>
+            </a:gsLst>
+            <a:lin ang="5400000" scaled="1"/>
+          </a:gradFill>
+          <a:ln w="9525" algn="ctr">
+            <a:solidFill>
+              <a:schemeClr val="tx1"/>
+            </a:solidFill>
+            <a:miter lim="800000"/>
+            <a:headEnd/>
+            <a:tailEnd/>
+          </a:ln>
+          <a:effectLst>
+            <a:outerShdw blurRad="50800" dist="38100" dir="2700000" algn="tl" rotWithShape="0">
+              <a:prstClr val="black">
+                <a:alpha val="40000"/>
+              </a:prstClr>
+            </a:outerShdw>
+          </a:effectLst>
+        </p:spPr>
+        <p:txBody>
+          <a:bodyPr wrap="none" rtlCol="0" anchor="ctr"/>
+          <a:lstStyle/>
+          <a:p>
+            <a:pPr algn="ctr"/>
+            <a:r>
+              <a:rPr lang="en-US" sz="2000" dirty="0" smtClean="0">
+                <a:latin typeface="Tekton Pro" pitchFamily="34" charset="0"/>
+              </a:rPr>
+              <a:t>Run</a:t>
+            </a:r>
+            <a:endParaRPr lang="en-US" sz="2000" dirty="0">
+              <a:latin typeface="Tekton Pro" pitchFamily="34" charset="0"/>
+            </a:endParaRPr>
+          </a:p>
+        </p:txBody>
+      </p:sp>
+      <p:cxnSp>
+        <p:nvCxnSpPr>
+          <p:cNvPr id="8" name="Straight Arrow Connector 7"/>
+          <p:cNvCxnSpPr>
+            <a:stCxn id="5" idx="3"/>
+            <a:endCxn id="7" idx="1"/>
+          </p:cNvCxnSpPr>
+          <p:nvPr/>
+        </p:nvCxnSpPr>
+        <p:spPr bwMode="auto">
+          <a:xfrm flipV="1">
+            <a:off x="5410200" y="5410746"/>
+            <a:ext cx="571500" cy="29278"/>
+          </a:xfrm>
+          <a:prstGeom prst="straightConnector1">
+            <a:avLst/>
+          </a:prstGeom>
+          <a:gradFill rotWithShape="1">
+            <a:gsLst>
+              <a:gs pos="0">
+                <a:srgbClr val="A4D289"/>
+              </a:gs>
+              <a:gs pos="100000">
+                <a:schemeClr val="bg1"/>
+              </a:gs>
+            </a:gsLst>
+            <a:lin ang="5400000" scaled="1"/>
+          </a:gradFill>
+          <a:ln w="9525" cap="flat" cmpd="sng" algn="ctr">
+            <a:solidFill>
+              <a:schemeClr val="tx1"/>
+            </a:solidFill>
+            <a:prstDash val="solid"/>
+            <a:round/>
+            <a:headEnd type="none" w="med" len="med"/>
+            <a:tailEnd type="triangle"/>
+          </a:ln>
+          <a:effectLst/>
+        </p:spPr>
+      </p:cxnSp>
+      <p:pic>
+        <p:nvPicPr>
+          <p:cNvPr id="9" name="Picture 8"/>
+          <p:cNvPicPr>
+            <a:picLocks noChangeAspect="1"/>
+          </p:cNvPicPr>
+          <p:nvPr/>
+        </p:nvPicPr>
+        <p:blipFill>
+          <a:blip r:embed="rId2"/>
+          <a:stretch>
+            <a:fillRect/>
+          </a:stretch>
+        </p:blipFill>
+        <p:spPr>
+          <a:xfrm>
+            <a:off x="952187" y="2953999"/>
+            <a:ext cx="4000500" cy="1085850"/>
+          </a:xfrm>
+          <a:prstGeom prst="rect">
+            <a:avLst/>
+          </a:prstGeom>
+          <a:ln>
+            <a:noFill/>
+          </a:ln>
+          <a:effectLst>
+            <a:outerShdw blurRad="292100" dist="139700" dir="2700000" algn="tl" rotWithShape="0">
+              <a:srgbClr val="333333">
+                <a:alpha val="65000"/>
+              </a:srgbClr>
+            </a:outerShdw>
+          </a:effectLst>
+        </p:spPr>
+      </p:pic>
     </p:spTree>
     <p:extLst>
       <p:ext uri="{BB962C8B-B14F-4D97-AF65-F5344CB8AC3E}">
-        <p14:creationId xmlns:p14="http://schemas.microsoft.com/office/powerpoint/2010/main" val="3895620098"/>
+        <p14:creationId xmlns:p14="http://schemas.microsoft.com/office/powerpoint/2010/main" val="1570650157"/>
       </p:ext>
     </p:extLst>
   </p:cSld>
@@ -3023,6 +3868,121 @@
           <a:p>
             <a:r>
               <a:rPr lang="en-US" dirty="0" smtClean="0"/>
+              <a:t>Code Organization</a:t>
+            </a:r>
+            <a:endParaRPr lang="en-US" dirty="0"/>
+          </a:p>
+        </p:txBody>
+      </p:sp>
+      <p:sp>
+        <p:nvSpPr>
+          <p:cNvPr id="3" name="Text Placeholder 2"/>
+          <p:cNvSpPr>
+            <a:spLocks noGrp="1"/>
+          </p:cNvSpPr>
+          <p:nvPr>
+            <p:ph type="body" idx="1"/>
+          </p:nvPr>
+        </p:nvSpPr>
+        <p:spPr/>
+        <p:txBody>
+          <a:bodyPr/>
+          <a:lstStyle/>
+          <a:p>
+            <a:r>
+              <a:rPr lang="en-US" dirty="0" smtClean="0"/>
+              <a:t>File per abstraction</a:t>
+            </a:r>
+          </a:p>
+          <a:p>
+            <a:r>
+              <a:rPr lang="en-US" dirty="0" smtClean="0"/>
+              <a:t>Folder per abstraction</a:t>
+            </a:r>
+          </a:p>
+          <a:p>
+            <a:r>
+              <a:rPr lang="en-US" dirty="0" smtClean="0"/>
+              <a:t>Folder per feature -&gt; folder per abstraction</a:t>
+            </a:r>
+            <a:endParaRPr lang="en-US" dirty="0"/>
+          </a:p>
+        </p:txBody>
+      </p:sp>
+      <p:pic>
+        <p:nvPicPr>
+          <p:cNvPr id="6" name="Picture 5"/>
+          <p:cNvPicPr>
+            <a:picLocks noChangeAspect="1"/>
+          </p:cNvPicPr>
+          <p:nvPr/>
+        </p:nvPicPr>
+        <p:blipFill>
+          <a:blip r:embed="rId2"/>
+          <a:stretch>
+            <a:fillRect/>
+          </a:stretch>
+        </p:blipFill>
+        <p:spPr>
+          <a:xfrm>
+            <a:off x="2590800" y="2819400"/>
+            <a:ext cx="3627546" cy="3505200"/>
+          </a:xfrm>
+          <a:prstGeom prst="rect">
+            <a:avLst/>
+          </a:prstGeom>
+        </p:spPr>
+      </p:pic>
+    </p:spTree>
+    <p:extLst>
+      <p:ext uri="{BB962C8B-B14F-4D97-AF65-F5344CB8AC3E}">
+        <p14:creationId xmlns:p14="http://schemas.microsoft.com/office/powerpoint/2010/main" val="3895620098"/>
+      </p:ext>
+    </p:extLst>
+  </p:cSld>
+  <p:clrMapOvr>
+    <a:masterClrMapping/>
+  </p:clrMapOvr>
+  <p:transition>
+    <p:fade/>
+  </p:transition>
+</p:sld>
+</file>
+
+<file path=ppt/slides/slide17.xml><?xml version="1.0" encoding="utf-8"?>
+<p:sld xmlns:a="http://schemas.openxmlformats.org/drawingml/2006/main" xmlns:r="http://schemas.openxmlformats.org/officeDocument/2006/relationships" xmlns:p="http://schemas.openxmlformats.org/presentationml/2006/main">
+  <p:cSld>
+    <p:spTree>
+      <p:nvGrpSpPr>
+        <p:cNvPr id="1" name=""/>
+        <p:cNvGrpSpPr/>
+        <p:nvPr/>
+      </p:nvGrpSpPr>
+      <p:grpSpPr>
+        <a:xfrm>
+          <a:off x="0" y="0"/>
+          <a:ext cx="0" cy="0"/>
+          <a:chOff x="0" y="0"/>
+          <a:chExt cx="0" cy="0"/>
+        </a:xfrm>
+      </p:grpSpPr>
+      <p:sp>
+        <p:nvSpPr>
+          <p:cNvPr id="2" name="Title 1"/>
+          <p:cNvSpPr>
+            <a:spLocks noGrp="1"/>
+          </p:cNvSpPr>
+          <p:nvPr>
+            <p:ph type="title"/>
+          </p:nvPr>
+        </p:nvSpPr>
+        <p:spPr/>
+        <p:txBody>
+          <a:bodyPr/>
+          <a:lstStyle/>
+          <a:p>
+            <a:r>
+              <a:rPr lang="en-US" dirty="0" smtClean="0"/>
               <a:t>Core Angular API</a:t>
             </a:r>
             <a:endParaRPr lang="en-US" dirty="0"/>
@@ -3122,7 +4082,7 @@
 </p:sld>
 </file>
 
-<file path=ppt/slides/slide17.xml><?xml version="1.0" encoding="utf-8"?>
+<file path=ppt/slides/slide18.xml><?xml version="1.0" encoding="utf-8"?>
 <p:sld xmlns:a="http://schemas.openxmlformats.org/drawingml/2006/main" xmlns:r="http://schemas.openxmlformats.org/officeDocument/2006/relationships" xmlns:p="http://schemas.openxmlformats.org/presentationml/2006/main">
   <p:cSld>
     <p:spTree>
@@ -3264,7 +4224,7 @@
 </p:sld>
 </file>
 
-<file path=ppt/slides/slide18.xml><?xml version="1.0" encoding="utf-8"?>
+<file path=ppt/slides/slide19.xml><?xml version="1.0" encoding="utf-8"?>
 <p:sld xmlns:a="http://schemas.openxmlformats.org/drawingml/2006/main" xmlns:r="http://schemas.openxmlformats.org/officeDocument/2006/relationships" xmlns:p="http://schemas.openxmlformats.org/presentationml/2006/main">
   <p:cSld>
     <p:spTree>
@@ -3321,39 +4281,52 @@
           <a:p>
             <a:r>
               <a:rPr lang="en-US" dirty="0" smtClean="0"/>
-              <a:t>AngularJS is an application framework</a:t>
+              <a:t>Modules are building blocks</a:t>
+            </a:r>
+          </a:p>
+          <a:p>
+            <a:r>
+              <a:rPr lang="en-US" dirty="0" smtClean="0"/>
+              <a:t>Modules define dependencies</a:t>
+            </a:r>
+          </a:p>
+          <a:p>
+            <a:r>
+              <a:rPr lang="en-US" dirty="0" smtClean="0"/>
+              <a:t>Modules contain one or more components</a:t>
             </a:r>
           </a:p>
           <a:p>
             <a:pPr lvl="1"/>
             <a:r>
               <a:rPr lang="en-US" dirty="0" smtClean="0"/>
-              <a:t>Model - view - *</a:t>
+              <a:t>Controllers</a:t>
             </a:r>
           </a:p>
           <a:p>
             <a:pPr lvl="1"/>
             <a:r>
               <a:rPr lang="en-US" dirty="0" smtClean="0"/>
-              <a:t>Data binding</a:t>
-            </a:r>
-          </a:p>
-          <a:p>
-            <a:r>
-              <a:rPr lang="en-US" dirty="0" smtClean="0"/>
-              <a:t>Extensible, modular, testable</a:t>
+              <a:t>Services</a:t>
             </a:r>
           </a:p>
           <a:p>
             <a:pPr lvl="1"/>
             <a:r>
               <a:rPr lang="en-US" dirty="0" smtClean="0"/>
-              <a:t>More on </a:t>
-            </a:r>
+              <a:t>Directives</a:t>
+            </a:r>
+          </a:p>
+          <a:p>
+            <a:pPr lvl="1"/>
             <a:r>
               <a:rPr lang="en-US" smtClean="0"/>
-              <a:t>modularity coming up next …</a:t>
-            </a:r>
+              <a:t>Filters</a:t>
+            </a:r>
+            <a:endParaRPr lang="en-US" dirty="0" smtClean="0"/>
+          </a:p>
+          <a:p>
+            <a:pPr lvl="1"/>
             <a:endParaRPr lang="en-US" dirty="0"/>
           </a:p>
         </p:txBody>
@@ -3449,6 +4422,340 @@
           <a:p>
             <a:r>
               <a:rPr lang="en-US" dirty="0" smtClean="0"/>
+              <a:t>Why Modules?</a:t>
+            </a:r>
+            <a:endParaRPr lang="en-US" dirty="0"/>
+          </a:p>
+        </p:txBody>
+      </p:sp>
+      <p:sp>
+        <p:nvSpPr>
+          <p:cNvPr id="3" name="Text Placeholder 2"/>
+          <p:cNvSpPr>
+            <a:spLocks noGrp="1"/>
+          </p:cNvSpPr>
+          <p:nvPr>
+            <p:ph type="body" idx="1"/>
+          </p:nvPr>
+        </p:nvSpPr>
+        <p:spPr/>
+        <p:txBody>
+          <a:bodyPr/>
+          <a:lstStyle/>
+          <a:p>
+            <a:r>
+              <a:rPr lang="en-US" dirty="0" smtClean="0"/>
+              <a:t>Isolate code</a:t>
+            </a:r>
+          </a:p>
+          <a:p>
+            <a:r>
+              <a:rPr lang="en-US" dirty="0" smtClean="0"/>
+              <a:t>Manage dependencies</a:t>
+            </a:r>
+          </a:p>
+        </p:txBody>
+      </p:sp>
+      <p:sp>
+        <p:nvSpPr>
+          <p:cNvPr id="4" name="Rectangle 3"/>
+          <p:cNvSpPr/>
+          <p:nvPr/>
+        </p:nvSpPr>
+        <p:spPr bwMode="auto">
+          <a:xfrm>
+            <a:off x="6934200" y="3200400"/>
+            <a:ext cx="1981200" cy="990600"/>
+          </a:xfrm>
+          <a:prstGeom prst="rect">
+            <a:avLst/>
+          </a:prstGeom>
+          <a:gradFill rotWithShape="1">
+            <a:gsLst>
+              <a:gs pos="0">
+                <a:srgbClr val="A4D289"/>
+              </a:gs>
+              <a:gs pos="100000">
+                <a:schemeClr val="bg1"/>
+              </a:gs>
+            </a:gsLst>
+            <a:lin ang="5400000" scaled="1"/>
+          </a:gradFill>
+          <a:ln w="9525" algn="ctr">
+            <a:solidFill>
+              <a:schemeClr val="tx1"/>
+            </a:solidFill>
+            <a:miter lim="800000"/>
+            <a:headEnd/>
+            <a:tailEnd/>
+          </a:ln>
+          <a:effectLst>
+            <a:outerShdw blurRad="50800" dist="38100" dir="2700000" algn="tl" rotWithShape="0">
+              <a:prstClr val="black">
+                <a:alpha val="40000"/>
+              </a:prstClr>
+            </a:outerShdw>
+          </a:effectLst>
+        </p:spPr>
+        <p:txBody>
+          <a:bodyPr wrap="none" rtlCol="0" anchor="ctr"/>
+          <a:lstStyle/>
+          <a:p>
+            <a:pPr algn="ctr"/>
+            <a:r>
+              <a:rPr lang="en-US" sz="2000" dirty="0" err="1" smtClean="0">
+                <a:latin typeface="Tekton Pro" pitchFamily="34" charset="0"/>
+              </a:rPr>
+              <a:t>ngRoute</a:t>
+            </a:r>
+            <a:endParaRPr lang="en-US" sz="2000" dirty="0">
+              <a:latin typeface="Tekton Pro" pitchFamily="34" charset="0"/>
+            </a:endParaRPr>
+          </a:p>
+        </p:txBody>
+      </p:sp>
+      <p:sp>
+        <p:nvSpPr>
+          <p:cNvPr id="5" name="Rectangle 4"/>
+          <p:cNvSpPr/>
+          <p:nvPr/>
+        </p:nvSpPr>
+        <p:spPr bwMode="auto">
+          <a:xfrm>
+            <a:off x="4737100" y="3200400"/>
+            <a:ext cx="1968500" cy="990600"/>
+          </a:xfrm>
+          <a:prstGeom prst="rect">
+            <a:avLst/>
+          </a:prstGeom>
+          <a:gradFill rotWithShape="1">
+            <a:gsLst>
+              <a:gs pos="0">
+                <a:srgbClr val="A4D289"/>
+              </a:gs>
+              <a:gs pos="100000">
+                <a:schemeClr val="bg1"/>
+              </a:gs>
+            </a:gsLst>
+            <a:lin ang="5400000" scaled="1"/>
+          </a:gradFill>
+          <a:ln w="9525" algn="ctr">
+            <a:solidFill>
+              <a:schemeClr val="tx1"/>
+            </a:solidFill>
+            <a:miter lim="800000"/>
+            <a:headEnd/>
+            <a:tailEnd/>
+          </a:ln>
+          <a:effectLst>
+            <a:outerShdw blurRad="50800" dist="38100" dir="2700000" algn="tl" rotWithShape="0">
+              <a:prstClr val="black">
+                <a:alpha val="40000"/>
+              </a:prstClr>
+            </a:outerShdw>
+          </a:effectLst>
+        </p:spPr>
+        <p:txBody>
+          <a:bodyPr wrap="none" rtlCol="0" anchor="ctr"/>
+          <a:lstStyle/>
+          <a:p>
+            <a:pPr algn="ctr"/>
+            <a:r>
+              <a:rPr lang="en-US" sz="2000" dirty="0" err="1" smtClean="0">
+                <a:latin typeface="Tekton Pro" pitchFamily="34" charset="0"/>
+              </a:rPr>
+              <a:t>ui</a:t>
+            </a:r>
+            <a:r>
+              <a:rPr lang="en-US" sz="2000" dirty="0" smtClean="0">
+                <a:latin typeface="Tekton Pro" pitchFamily="34" charset="0"/>
+              </a:rPr>
+              <a:t>-bootstrap</a:t>
+            </a:r>
+            <a:endParaRPr lang="en-US" sz="2000" dirty="0">
+              <a:latin typeface="Tekton Pro" pitchFamily="34" charset="0"/>
+            </a:endParaRPr>
+          </a:p>
+        </p:txBody>
+      </p:sp>
+      <p:sp>
+        <p:nvSpPr>
+          <p:cNvPr id="6" name="Rectangle 5"/>
+          <p:cNvSpPr/>
+          <p:nvPr/>
+        </p:nvSpPr>
+        <p:spPr bwMode="auto">
+          <a:xfrm>
+            <a:off x="2540000" y="3200400"/>
+            <a:ext cx="1968500" cy="990600"/>
+          </a:xfrm>
+          <a:prstGeom prst="rect">
+            <a:avLst/>
+          </a:prstGeom>
+          <a:gradFill rotWithShape="1">
+            <a:gsLst>
+              <a:gs pos="0">
+                <a:srgbClr val="A4D289"/>
+              </a:gs>
+              <a:gs pos="100000">
+                <a:schemeClr val="bg1"/>
+              </a:gs>
+            </a:gsLst>
+            <a:lin ang="5400000" scaled="1"/>
+          </a:gradFill>
+          <a:ln w="9525" algn="ctr">
+            <a:solidFill>
+              <a:schemeClr val="tx1"/>
+            </a:solidFill>
+            <a:miter lim="800000"/>
+            <a:headEnd/>
+            <a:tailEnd/>
+          </a:ln>
+          <a:effectLst>
+            <a:outerShdw blurRad="50800" dist="38100" dir="2700000" algn="tl" rotWithShape="0">
+              <a:prstClr val="black">
+                <a:alpha val="40000"/>
+              </a:prstClr>
+            </a:outerShdw>
+          </a:effectLst>
+        </p:spPr>
+        <p:txBody>
+          <a:bodyPr wrap="none" rtlCol="0" anchor="ctr"/>
+          <a:lstStyle/>
+          <a:p>
+            <a:pPr algn="ctr"/>
+            <a:r>
+              <a:rPr lang="en-US" sz="2000" dirty="0" err="1">
+                <a:latin typeface="Tekton Pro" pitchFamily="34" charset="0"/>
+              </a:rPr>
+              <a:t>n</a:t>
+            </a:r>
+            <a:r>
+              <a:rPr lang="en-US" sz="2000" dirty="0" err="1" smtClean="0">
+                <a:latin typeface="Tekton Pro" pitchFamily="34" charset="0"/>
+              </a:rPr>
+              <a:t>g</a:t>
+            </a:r>
+            <a:r>
+              <a:rPr lang="en-US" sz="2000" dirty="0" smtClean="0">
+                <a:latin typeface="Tekton Pro" pitchFamily="34" charset="0"/>
+              </a:rPr>
+              <a:t>-animate</a:t>
+            </a:r>
+            <a:endParaRPr lang="en-US" sz="2000" dirty="0">
+              <a:latin typeface="Tekton Pro" pitchFamily="34" charset="0"/>
+            </a:endParaRPr>
+          </a:p>
+        </p:txBody>
+      </p:sp>
+      <p:sp>
+        <p:nvSpPr>
+          <p:cNvPr id="7" name="Rectangle 6"/>
+          <p:cNvSpPr/>
+          <p:nvPr/>
+        </p:nvSpPr>
+        <p:spPr bwMode="auto">
+          <a:xfrm>
+            <a:off x="298450" y="3200400"/>
+            <a:ext cx="1968500" cy="990600"/>
+          </a:xfrm>
+          <a:prstGeom prst="rect">
+            <a:avLst/>
+          </a:prstGeom>
+          <a:gradFill rotWithShape="1">
+            <a:gsLst>
+              <a:gs pos="0">
+                <a:srgbClr val="A4D289"/>
+              </a:gs>
+              <a:gs pos="100000">
+                <a:schemeClr val="bg1"/>
+              </a:gs>
+            </a:gsLst>
+            <a:lin ang="5400000" scaled="1"/>
+          </a:gradFill>
+          <a:ln w="9525" algn="ctr">
+            <a:solidFill>
+              <a:schemeClr val="tx1"/>
+            </a:solidFill>
+            <a:miter lim="800000"/>
+            <a:headEnd/>
+            <a:tailEnd/>
+          </a:ln>
+          <a:effectLst>
+            <a:outerShdw blurRad="50800" dist="38100" dir="2700000" algn="tl" rotWithShape="0">
+              <a:prstClr val="black">
+                <a:alpha val="40000"/>
+              </a:prstClr>
+            </a:outerShdw>
+          </a:effectLst>
+        </p:spPr>
+        <p:txBody>
+          <a:bodyPr wrap="none" rtlCol="0" anchor="ctr"/>
+          <a:lstStyle/>
+          <a:p>
+            <a:pPr algn="ctr"/>
+            <a:r>
+              <a:rPr lang="en-US" sz="2000" dirty="0" err="1" smtClean="0">
+                <a:latin typeface="Tekton Pro" pitchFamily="34" charset="0"/>
+              </a:rPr>
+              <a:t>ng</a:t>
+            </a:r>
+            <a:endParaRPr lang="en-US" sz="2000" dirty="0">
+              <a:latin typeface="Tekton Pro" pitchFamily="34" charset="0"/>
+            </a:endParaRPr>
+          </a:p>
+        </p:txBody>
+      </p:sp>
+    </p:spTree>
+    <p:extLst>
+      <p:ext uri="{BB962C8B-B14F-4D97-AF65-F5344CB8AC3E}">
+        <p14:creationId xmlns:p14="http://schemas.microsoft.com/office/powerpoint/2010/main" val="2228263615"/>
+      </p:ext>
+    </p:extLst>
+  </p:cSld>
+  <p:clrMapOvr>
+    <a:masterClrMapping/>
+  </p:clrMapOvr>
+  <p:transition>
+    <p:fade/>
+  </p:transition>
+</p:sld>
+</file>
+
+<file path=ppt/slides/slide3.xml><?xml version="1.0" encoding="utf-8"?>
+<p:sld xmlns:a="http://schemas.openxmlformats.org/drawingml/2006/main" xmlns:r="http://schemas.openxmlformats.org/officeDocument/2006/relationships" xmlns:p="http://schemas.openxmlformats.org/presentationml/2006/main">
+  <p:cSld>
+    <p:spTree>
+      <p:nvGrpSpPr>
+        <p:cNvPr id="1" name=""/>
+        <p:cNvGrpSpPr/>
+        <p:nvPr/>
+      </p:nvGrpSpPr>
+      <p:grpSpPr>
+        <a:xfrm>
+          <a:off x="0" y="0"/>
+          <a:ext cx="0" cy="0"/>
+          <a:chOff x="0" y="0"/>
+          <a:chExt cx="0" cy="0"/>
+        </a:xfrm>
+      </p:grpSpPr>
+      <p:sp>
+        <p:nvSpPr>
+          <p:cNvPr id="2" name="Title 1"/>
+          <p:cNvSpPr>
+            <a:spLocks noGrp="1"/>
+          </p:cNvSpPr>
+          <p:nvPr>
+            <p:ph type="title"/>
+          </p:nvPr>
+        </p:nvSpPr>
+        <p:spPr/>
+        <p:txBody>
+          <a:bodyPr/>
+          <a:lstStyle/>
+          <a:p>
+            <a:r>
+              <a:rPr lang="en-US" dirty="0" smtClean="0"/>
               <a:t>Modules</a:t>
             </a:r>
             <a:endParaRPr lang="en-US" dirty="0"/>
@@ -3538,7 +4845,7 @@
 </p:sld>
 </file>
 
-<file path=ppt/slides/slide3.xml><?xml version="1.0" encoding="utf-8"?>
+<file path=ppt/slides/slide4.xml><?xml version="1.0" encoding="utf-8"?>
 <p:sld xmlns:a="http://schemas.openxmlformats.org/drawingml/2006/main" xmlns:r="http://schemas.openxmlformats.org/officeDocument/2006/relationships" xmlns:p="http://schemas.openxmlformats.org/presentationml/2006/main">
   <p:cSld>
     <p:spTree>
@@ -3651,81 +4958,6 @@
 </p:sld>
 </file>
 
-<file path=ppt/slides/slide4.xml><?xml version="1.0" encoding="utf-8"?>
-<p:sld xmlns:a="http://schemas.openxmlformats.org/drawingml/2006/main" xmlns:r="http://schemas.openxmlformats.org/officeDocument/2006/relationships" xmlns:p="http://schemas.openxmlformats.org/presentationml/2006/main">
-  <p:cSld>
-    <p:spTree>
-      <p:nvGrpSpPr>
-        <p:cNvPr id="1" name=""/>
-        <p:cNvGrpSpPr/>
-        <p:nvPr/>
-      </p:nvGrpSpPr>
-      <p:grpSpPr>
-        <a:xfrm>
-          <a:off x="0" y="0"/>
-          <a:ext cx="0" cy="0"/>
-          <a:chOff x="0" y="0"/>
-          <a:chExt cx="0" cy="0"/>
-        </a:xfrm>
-      </p:grpSpPr>
-      <p:sp>
-        <p:nvSpPr>
-          <p:cNvPr id="2" name="Title 1"/>
-          <p:cNvSpPr>
-            <a:spLocks noGrp="1"/>
-          </p:cNvSpPr>
-          <p:nvPr>
-            <p:ph type="title"/>
-          </p:nvPr>
-        </p:nvSpPr>
-        <p:spPr/>
-        <p:txBody>
-          <a:bodyPr/>
-          <a:lstStyle/>
-          <a:p>
-            <a:r>
-              <a:rPr lang="en-US" dirty="0" smtClean="0"/>
-              <a:t>Services</a:t>
-            </a:r>
-            <a:endParaRPr lang="en-US" dirty="0"/>
-          </a:p>
-        </p:txBody>
-      </p:sp>
-      <p:sp>
-        <p:nvSpPr>
-          <p:cNvPr id="3" name="Text Placeholder 2"/>
-          <p:cNvSpPr>
-            <a:spLocks noGrp="1"/>
-          </p:cNvSpPr>
-          <p:nvPr>
-            <p:ph type="body" idx="1"/>
-          </p:nvPr>
-        </p:nvSpPr>
-        <p:spPr/>
-        <p:txBody>
-          <a:bodyPr/>
-          <a:lstStyle/>
-          <a:p>
-            <a:endParaRPr lang="en-US"/>
-          </a:p>
-        </p:txBody>
-      </p:sp>
-    </p:spTree>
-    <p:extLst>
-      <p:ext uri="{BB962C8B-B14F-4D97-AF65-F5344CB8AC3E}">
-        <p14:creationId xmlns:p14="http://schemas.microsoft.com/office/powerpoint/2010/main" val="4008202080"/>
-      </p:ext>
-    </p:extLst>
-  </p:cSld>
-  <p:clrMapOvr>
-    <a:masterClrMapping/>
-  </p:clrMapOvr>
-  <p:transition>
-    <p:fade/>
-  </p:transition>
-</p:sld>
-</file>
-
 <file path=ppt/slides/slide5.xml><?xml version="1.0" encoding="utf-8"?>
 <p:sld xmlns:a="http://schemas.openxmlformats.org/drawingml/2006/main" xmlns:r="http://schemas.openxmlformats.org/officeDocument/2006/relationships" xmlns:p="http://schemas.openxmlformats.org/presentationml/2006/main">
   <p:cSld>
@@ -3760,7 +4992,7 @@
           <a:p>
             <a:r>
               <a:rPr lang="en-US" dirty="0" smtClean="0"/>
-              <a:t>Promises and $q</a:t>
+              <a:t>Services</a:t>
             </a:r>
             <a:endParaRPr lang="en-US" dirty="0"/>
           </a:p>
@@ -3781,14 +5013,103 @@
           <a:bodyPr/>
           <a:lstStyle/>
           <a:p>
-            <a:endParaRPr lang="en-US"/>
-          </a:p>
-        </p:txBody>
-      </p:sp>
+            <a:r>
+              <a:rPr lang="en-US" dirty="0" smtClean="0"/>
+              <a:t>Handle non-view related logic</a:t>
+            </a:r>
+          </a:p>
+          <a:p>
+            <a:pPr lvl="1"/>
+            <a:r>
+              <a:rPr lang="en-US" dirty="0" smtClean="0"/>
+              <a:t>Server communication, for example</a:t>
+            </a:r>
+          </a:p>
+          <a:p>
+            <a:r>
+              <a:rPr lang="en-US" dirty="0" smtClean="0"/>
+              <a:t>Program to an interface, not an implementation</a:t>
+            </a:r>
+          </a:p>
+          <a:p>
+            <a:pPr lvl="1"/>
+            <a:r>
+              <a:rPr lang="en-US" dirty="0" smtClean="0"/>
+              <a:t>Testable</a:t>
+            </a:r>
+          </a:p>
+          <a:p>
+            <a:r>
+              <a:rPr lang="en-US" dirty="0" smtClean="0"/>
+              <a:t>Many built in services</a:t>
+            </a:r>
+          </a:p>
+          <a:p>
+            <a:pPr lvl="1"/>
+            <a:r>
+              <a:rPr lang="en-US" dirty="0" smtClean="0"/>
+              <a:t>$http</a:t>
+            </a:r>
+          </a:p>
+          <a:p>
+            <a:pPr lvl="1"/>
+            <a:r>
+              <a:rPr lang="en-US" dirty="0" smtClean="0"/>
+              <a:t>$window</a:t>
+            </a:r>
+          </a:p>
+          <a:p>
+            <a:pPr lvl="1"/>
+            <a:r>
+              <a:rPr lang="en-US" dirty="0" smtClean="0"/>
+              <a:t>$document</a:t>
+            </a:r>
+            <a:endParaRPr lang="en-US" dirty="0" smtClean="0"/>
+          </a:p>
+          <a:p>
+            <a:pPr lvl="1"/>
+            <a:endParaRPr lang="en-US" dirty="0"/>
+          </a:p>
+        </p:txBody>
+      </p:sp>
+      <p:pic>
+        <p:nvPicPr>
+          <p:cNvPr id="5" name="Picture 4"/>
+          <p:cNvPicPr>
+            <a:picLocks noChangeAspect="1"/>
+          </p:cNvPicPr>
+          <p:nvPr/>
+        </p:nvPicPr>
+        <p:blipFill>
+          <a:blip r:embed="rId2"/>
+          <a:stretch>
+            <a:fillRect/>
+          </a:stretch>
+        </p:blipFill>
+        <p:spPr>
+          <a:xfrm>
+            <a:off x="3657600" y="2676525"/>
+            <a:ext cx="4448175" cy="3686175"/>
+          </a:xfrm>
+          <a:prstGeom prst="rect">
+            <a:avLst/>
+          </a:prstGeom>
+          <a:ln>
+            <a:noFill/>
+          </a:ln>
+          <a:effectLst>
+            <a:outerShdw blurRad="292100" dist="139700" dir="2700000" algn="tl" rotWithShape="0">
+              <a:srgbClr val="333333">
+                <a:alpha val="65000"/>
+              </a:srgbClr>
+            </a:outerShdw>
+          </a:effectLst>
+        </p:spPr>
+      </p:pic>
     </p:spTree>
     <p:extLst>
       <p:ext uri="{BB962C8B-B14F-4D97-AF65-F5344CB8AC3E}">
-        <p14:creationId xmlns:p14="http://schemas.microsoft.com/office/powerpoint/2010/main" val="1785644652"/>
+        <p14:creationId xmlns:p14="http://schemas.microsoft.com/office/powerpoint/2010/main" val="4008202080"/>
       </p:ext>
     </p:extLst>
   </p:cSld>
@@ -3856,10 +5177,73 @@
           <a:bodyPr/>
           <a:lstStyle/>
           <a:p>
+            <a:r>
+              <a:rPr lang="en-US" dirty="0" smtClean="0"/>
+              <a:t>$http is a service wrapping </a:t>
+            </a:r>
+            <a:r>
+              <a:rPr lang="en-US" dirty="0" err="1" smtClean="0"/>
+              <a:t>XmlHttpRequest</a:t>
+            </a:r>
+            <a:endParaRPr lang="en-US" dirty="0" smtClean="0"/>
+          </a:p>
+          <a:p>
+            <a:r>
+              <a:rPr lang="en-US" dirty="0" smtClean="0"/>
+              <a:t>Flexible</a:t>
+            </a:r>
+          </a:p>
+          <a:p>
+            <a:pPr lvl="1"/>
+            <a:r>
+              <a:rPr lang="en-US" dirty="0" smtClean="0"/>
+              <a:t>Methods for common verbs</a:t>
+            </a:r>
+          </a:p>
+          <a:p>
+            <a:pPr lvl="1"/>
+            <a:r>
+              <a:rPr lang="en-US" dirty="0" smtClean="0"/>
+              <a:t>Supports transformers and custom headers</a:t>
+            </a:r>
             <a:endParaRPr lang="en-US" dirty="0"/>
           </a:p>
         </p:txBody>
       </p:sp>
+      <p:pic>
+        <p:nvPicPr>
+          <p:cNvPr id="4" name="Picture 3"/>
+          <p:cNvPicPr>
+            <a:picLocks noChangeAspect="1"/>
+          </p:cNvPicPr>
+          <p:nvPr/>
+        </p:nvPicPr>
+        <p:blipFill>
+          <a:blip r:embed="rId2"/>
+          <a:stretch>
+            <a:fillRect/>
+          </a:stretch>
+        </p:blipFill>
+        <p:spPr>
+          <a:xfrm>
+            <a:off x="1107700" y="3886200"/>
+            <a:ext cx="6928600" cy="1090613"/>
+          </a:xfrm>
+          <a:prstGeom prst="rect">
+            <a:avLst/>
+          </a:prstGeom>
+          <a:ln>
+            <a:noFill/>
+          </a:ln>
+          <a:effectLst>
+            <a:outerShdw blurRad="292100" dist="139700" dir="2700000" algn="tl" rotWithShape="0">
+              <a:srgbClr val="333333">
+                <a:alpha val="65000"/>
+              </a:srgbClr>
+            </a:outerShdw>
+          </a:effectLst>
+        </p:spPr>
+      </p:pic>
     </p:spTree>
     <p:extLst>
       <p:ext uri="{BB962C8B-B14F-4D97-AF65-F5344CB8AC3E}">
@@ -3910,7 +5294,7 @@
           <a:p>
             <a:r>
               <a:rPr lang="en-US" dirty="0" smtClean="0"/>
-              <a:t>HTTP Headers</a:t>
+              <a:t>Promises</a:t>
             </a:r>
             <a:endParaRPr lang="en-US" dirty="0"/>
           </a:p>
@@ -3931,14 +5315,70 @@
           <a:bodyPr/>
           <a:lstStyle/>
           <a:p>
-            <a:endParaRPr lang="en-US"/>
-          </a:p>
-        </p:txBody>
-      </p:sp>
+            <a:r>
+              <a:rPr lang="en-US" dirty="0" err="1" smtClean="0"/>
+              <a:t>Async</a:t>
+            </a:r>
+            <a:r>
+              <a:rPr lang="en-US" dirty="0" smtClean="0"/>
+              <a:t> functions return promises</a:t>
+            </a:r>
+          </a:p>
+          <a:p>
+            <a:pPr lvl="1"/>
+            <a:r>
+              <a:rPr lang="en-US" dirty="0" smtClean="0"/>
+              <a:t>Promise will be resolved or rejected</a:t>
+            </a:r>
+          </a:p>
+          <a:p>
+            <a:pPr lvl="1"/>
+            <a:r>
+              <a:rPr lang="en-US" dirty="0" smtClean="0"/>
+              <a:t>Use then and finally to execute code when complete</a:t>
+            </a:r>
+            <a:endParaRPr lang="en-US" dirty="0"/>
+          </a:p>
+        </p:txBody>
+      </p:sp>
+      <p:pic>
+        <p:nvPicPr>
+          <p:cNvPr id="4" name="Picture 3"/>
+          <p:cNvPicPr>
+            <a:picLocks noChangeAspect="1"/>
+          </p:cNvPicPr>
+          <p:nvPr/>
+        </p:nvPicPr>
+        <p:blipFill>
+          <a:blip r:embed="rId2"/>
+          <a:stretch>
+            <a:fillRect/>
+          </a:stretch>
+        </p:blipFill>
+        <p:spPr>
+          <a:xfrm>
+            <a:off x="1676400" y="3124200"/>
+            <a:ext cx="5440935" cy="1804988"/>
+          </a:xfrm>
+          <a:prstGeom prst="rect">
+            <a:avLst/>
+          </a:prstGeom>
+          <a:ln>
+            <a:noFill/>
+          </a:ln>
+          <a:effectLst>
+            <a:outerShdw blurRad="292100" dist="139700" dir="2700000" algn="tl" rotWithShape="0">
+              <a:srgbClr val="333333">
+                <a:alpha val="65000"/>
+              </a:srgbClr>
+            </a:outerShdw>
+          </a:effectLst>
+        </p:spPr>
+      </p:pic>
     </p:spTree>
     <p:extLst>
       <p:ext uri="{BB962C8B-B14F-4D97-AF65-F5344CB8AC3E}">
-        <p14:creationId xmlns:p14="http://schemas.microsoft.com/office/powerpoint/2010/main" val="2859119007"/>
+        <p14:creationId xmlns:p14="http://schemas.microsoft.com/office/powerpoint/2010/main" val="1577996894"/>
       </p:ext>
     </p:extLst>
   </p:cSld>
@@ -3985,7 +5425,7 @@
           <a:p>
             <a:r>
               <a:rPr lang="en-US" dirty="0" smtClean="0"/>
-              <a:t>Http Caching</a:t>
+              <a:t>HTTP Headers</a:t>
             </a:r>
             <a:endParaRPr lang="en-US" dirty="0"/>
           </a:p>
@@ -4006,14 +5446,123 @@
           <a:bodyPr/>
           <a:lstStyle/>
           <a:p>
-            <a:endParaRPr lang="en-US"/>
-          </a:p>
-        </p:txBody>
-      </p:sp>
+            <a:r>
+              <a:rPr lang="en-US" dirty="0" smtClean="0"/>
+              <a:t>Use </a:t>
+            </a:r>
+            <a:r>
+              <a:rPr lang="en-US" dirty="0" err="1" smtClean="0"/>
+              <a:t>config</a:t>
+            </a:r>
+            <a:r>
+              <a:rPr lang="en-US" dirty="0" smtClean="0"/>
+              <a:t> parameter for local headers</a:t>
+            </a:r>
+          </a:p>
+          <a:p>
+            <a:r>
+              <a:rPr lang="en-US" dirty="0" smtClean="0"/>
+              <a:t>Use defaults object for global headers</a:t>
+            </a:r>
+          </a:p>
+          <a:p>
+            <a:pPr lvl="1"/>
+            <a:r>
+              <a:rPr lang="en-US" dirty="0" smtClean="0"/>
+              <a:t>Can use $http or the $</a:t>
+            </a:r>
+            <a:r>
+              <a:rPr lang="en-US" dirty="0" err="1" smtClean="0"/>
+              <a:t>httpProvider</a:t>
+            </a:r>
+            <a:endParaRPr lang="en-US" dirty="0"/>
+          </a:p>
+        </p:txBody>
+      </p:sp>
+      <p:pic>
+        <p:nvPicPr>
+          <p:cNvPr id="4" name="Picture 3"/>
+          <p:cNvPicPr>
+            <a:picLocks noChangeAspect="1"/>
+          </p:cNvPicPr>
+          <p:nvPr/>
+        </p:nvPicPr>
+        <p:blipFill>
+          <a:blip r:embed="rId2">
+            <a:extLst>
+              <a:ext uri="{BEBA8EAE-BF5A-486C-A8C5-ECC9F3942E4B}">
+                <a14:imgProps xmlns:a14="http://schemas.microsoft.com/office/drawing/2010/main">
+                  <a14:imgLayer r:embed="rId3">
+                    <a14:imgEffect>
+                      <a14:colorTemperature colorTemp="11200"/>
+                    </a14:imgEffect>
+                  </a14:imgLayer>
+                </a14:imgProps>
+              </a:ext>
+            </a:extLst>
+          </a:blip>
+          <a:stretch>
+            <a:fillRect/>
+          </a:stretch>
+        </p:blipFill>
+        <p:spPr>
+          <a:xfrm>
+            <a:off x="1738312" y="3048000"/>
+            <a:ext cx="5667375" cy="1295400"/>
+          </a:xfrm>
+          <a:prstGeom prst="rect">
+            <a:avLst/>
+          </a:prstGeom>
+          <a:ln>
+            <a:noFill/>
+          </a:ln>
+          <a:effectLst>
+            <a:outerShdw blurRad="292100" dist="139700" dir="2700000" algn="tl" rotWithShape="0">
+              <a:srgbClr val="333333">
+                <a:alpha val="65000"/>
+              </a:srgbClr>
+            </a:outerShdw>
+          </a:effectLst>
+        </p:spPr>
+      </p:pic>
+      <p:pic>
+        <p:nvPicPr>
+          <p:cNvPr id="5" name="Picture 4"/>
+          <p:cNvPicPr>
+            <a:picLocks noChangeAspect="1"/>
+          </p:cNvPicPr>
+          <p:nvPr/>
+        </p:nvPicPr>
+        <p:blipFill>
+          <a:blip r:embed="rId4"/>
+          <a:stretch>
+            <a:fillRect/>
+          </a:stretch>
+        </p:blipFill>
+        <p:spPr>
+          <a:xfrm>
+            <a:off x="685800" y="4724400"/>
+            <a:ext cx="5972175" cy="476250"/>
+          </a:xfrm>
+          <a:prstGeom prst="rect">
+            <a:avLst/>
+          </a:prstGeom>
+          <a:ln>
+            <a:noFill/>
+          </a:ln>
+          <a:effectLst>
+            <a:outerShdw blurRad="292100" dist="139700" dir="2700000" algn="tl" rotWithShape="0">
+              <a:srgbClr val="333333">
+                <a:alpha val="65000"/>
+              </a:srgbClr>
+            </a:outerShdw>
+          </a:effectLst>
+        </p:spPr>
+      </p:pic>
     </p:spTree>
     <p:extLst>
       <p:ext uri="{BB962C8B-B14F-4D97-AF65-F5344CB8AC3E}">
-        <p14:creationId xmlns:p14="http://schemas.microsoft.com/office/powerpoint/2010/main" val="455900079"/>
+        <p14:creationId xmlns:p14="http://schemas.microsoft.com/office/powerpoint/2010/main" val="2859119007"/>
       </p:ext>
     </p:extLst>
   </p:cSld>
@@ -4060,7 +5609,7 @@
           <a:p>
             <a:r>
               <a:rPr lang="en-US" dirty="0" smtClean="0"/>
-              <a:t>HTTP Transforms</a:t>
+              <a:t>Http Caching</a:t>
             </a:r>
             <a:endParaRPr lang="en-US" dirty="0"/>
           </a:p>
@@ -4081,14 +5630,72 @@
           <a:bodyPr/>
           <a:lstStyle/>
           <a:p>
-            <a:endParaRPr lang="en-US"/>
-          </a:p>
-        </p:txBody>
-      </p:sp>
+            <a:r>
+              <a:rPr lang="en-US" dirty="0" smtClean="0"/>
+              <a:t>One approach: add cache parameter to </a:t>
+            </a:r>
+            <a:r>
+              <a:rPr lang="en-US" dirty="0" err="1" smtClean="0"/>
+              <a:t>config</a:t>
+            </a:r>
+            <a:r>
+              <a:rPr lang="en-US" dirty="0" smtClean="0"/>
+              <a:t> object</a:t>
+            </a:r>
+            <a:endParaRPr lang="en-US" dirty="0"/>
+          </a:p>
+        </p:txBody>
+      </p:sp>
+      <p:pic>
+        <p:nvPicPr>
+          <p:cNvPr id="4" name="Picture 3"/>
+          <p:cNvPicPr>
+            <a:picLocks noChangeAspect="1"/>
+          </p:cNvPicPr>
+          <p:nvPr/>
+        </p:nvPicPr>
+        <p:blipFill>
+          <a:blip r:embed="rId2">
+            <a:extLst>
+              <a:ext uri="{BEBA8EAE-BF5A-486C-A8C5-ECC9F3942E4B}">
+                <a14:imgProps xmlns:a14="http://schemas.microsoft.com/office/drawing/2010/main">
+                  <a14:imgLayer r:embed="rId3">
+                    <a14:imgEffect>
+                      <a14:colorTemperature colorTemp="11200"/>
+                    </a14:imgEffect>
+                  </a14:imgLayer>
+                </a14:imgProps>
+              </a:ext>
+            </a:extLst>
+          </a:blip>
+          <a:stretch>
+            <a:fillRect/>
+          </a:stretch>
+        </p:blipFill>
+        <p:spPr>
+          <a:xfrm>
+            <a:off x="1295400" y="2819400"/>
+            <a:ext cx="5943600" cy="1419225"/>
+          </a:xfrm>
+          <a:prstGeom prst="rect">
+            <a:avLst/>
+          </a:prstGeom>
+          <a:ln>
+            <a:noFill/>
+          </a:ln>
+          <a:effectLst>
+            <a:outerShdw blurRad="292100" dist="139700" dir="2700000" algn="tl" rotWithShape="0">
+              <a:srgbClr val="333333">
+                <a:alpha val="65000"/>
+              </a:srgbClr>
+            </a:outerShdw>
+          </a:effectLst>
+        </p:spPr>
+      </p:pic>
     </p:spTree>
     <p:extLst>
       <p:ext uri="{BB962C8B-B14F-4D97-AF65-F5344CB8AC3E}">
-        <p14:creationId xmlns:p14="http://schemas.microsoft.com/office/powerpoint/2010/main" val="2268107965"/>
+        <p14:creationId xmlns:p14="http://schemas.microsoft.com/office/powerpoint/2010/main" val="455900079"/>
       </p:ext>
     </p:extLst>
   </p:cSld>
